--- a/III projekat.pptx
+++ b/III projekat.pptx
@@ -364,7 +364,7 @@
             <a:fld id="{B61BEF0D-F0BB-DE4B-95CE-6DB70DBA9567}" type="datetimeFigureOut">
               <a:rPr lang="en-US" dirty="0"/>
               <a:pPr/>
-              <a:t>10/22/2020</a:t>
+              <a:t>10/23/2020</a:t>
             </a:fld>
             <a:endParaRPr lang="en-US" dirty="0"/>
           </a:p>
@@ -695,7 +695,7 @@
             <a:fld id="{B61BEF0D-F0BB-DE4B-95CE-6DB70DBA9567}" type="datetimeFigureOut">
               <a:rPr lang="en-US" dirty="0"/>
               <a:pPr/>
-              <a:t>10/22/2020</a:t>
+              <a:t>10/23/2020</a:t>
             </a:fld>
             <a:endParaRPr lang="en-US" dirty="0"/>
           </a:p>
@@ -970,7 +970,7 @@
             <a:fld id="{B61BEF0D-F0BB-DE4B-95CE-6DB70DBA9567}" type="datetimeFigureOut">
               <a:rPr lang="en-US" dirty="0"/>
               <a:pPr/>
-              <a:t>10/22/2020</a:t>
+              <a:t>10/23/2020</a:t>
             </a:fld>
             <a:endParaRPr lang="en-US" dirty="0"/>
           </a:p>
@@ -1535,7 +1535,7 @@
             <a:fld id="{B61BEF0D-F0BB-DE4B-95CE-6DB70DBA9567}" type="datetimeFigureOut">
               <a:rPr lang="en-US" dirty="0"/>
               <a:pPr/>
-              <a:t>10/22/2020</a:t>
+              <a:t>10/23/2020</a:t>
             </a:fld>
             <a:endParaRPr lang="en-US" dirty="0"/>
           </a:p>
@@ -1810,7 +1810,7 @@
             <a:fld id="{B61BEF0D-F0BB-DE4B-95CE-6DB70DBA9567}" type="datetimeFigureOut">
               <a:rPr lang="en-US" dirty="0"/>
               <a:pPr/>
-              <a:t>10/22/2020</a:t>
+              <a:t>10/23/2020</a:t>
             </a:fld>
             <a:endParaRPr lang="en-US" dirty="0"/>
           </a:p>
@@ -2369,7 +2369,7 @@
             <a:fld id="{B61BEF0D-F0BB-DE4B-95CE-6DB70DBA9567}" type="datetimeFigureOut">
               <a:rPr lang="en-US" dirty="0"/>
               <a:pPr/>
-              <a:t>10/22/2020</a:t>
+              <a:t>10/23/2020</a:t>
             </a:fld>
             <a:endParaRPr lang="en-US" dirty="0"/>
           </a:p>
@@ -2693,7 +2693,7 @@
             <a:fld id="{B61BEF0D-F0BB-DE4B-95CE-6DB70DBA9567}" type="datetimeFigureOut">
               <a:rPr lang="en-US" dirty="0"/>
               <a:pPr/>
-              <a:t>10/22/2020</a:t>
+              <a:t>10/23/2020</a:t>
             </a:fld>
             <a:endParaRPr lang="en-US" dirty="0"/>
           </a:p>
@@ -2895,7 +2895,7 @@
             <a:fld id="{B61BEF0D-F0BB-DE4B-95CE-6DB70DBA9567}" type="datetimeFigureOut">
               <a:rPr lang="en-US" dirty="0"/>
               <a:pPr/>
-              <a:t>10/22/2020</a:t>
+              <a:t>10/23/2020</a:t>
             </a:fld>
             <a:endParaRPr lang="en-US" dirty="0"/>
           </a:p>
@@ -3102,7 +3102,7 @@
             <a:fld id="{B61BEF0D-F0BB-DE4B-95CE-6DB70DBA9567}" type="datetimeFigureOut">
               <a:rPr lang="en-US" dirty="0"/>
               <a:pPr/>
-              <a:t>10/22/2020</a:t>
+              <a:t>10/23/2020</a:t>
             </a:fld>
             <a:endParaRPr lang="en-US" dirty="0"/>
           </a:p>
@@ -3299,7 +3299,7 @@
             <a:fld id="{B61BEF0D-F0BB-DE4B-95CE-6DB70DBA9567}" type="datetimeFigureOut">
               <a:rPr lang="en-US" dirty="0"/>
               <a:pPr/>
-              <a:t>10/22/2020</a:t>
+              <a:t>10/23/2020</a:t>
             </a:fld>
             <a:endParaRPr lang="en-US" dirty="0"/>
           </a:p>
@@ -3572,7 +3572,7 @@
             <a:fld id="{B61BEF0D-F0BB-DE4B-95CE-6DB70DBA9567}" type="datetimeFigureOut">
               <a:rPr lang="en-US" dirty="0"/>
               <a:pPr/>
-              <a:t>10/22/2020</a:t>
+              <a:t>10/23/2020</a:t>
             </a:fld>
             <a:endParaRPr lang="en-US" dirty="0"/>
           </a:p>
@@ -3835,7 +3835,7 @@
             <a:fld id="{B61BEF0D-F0BB-DE4B-95CE-6DB70DBA9567}" type="datetimeFigureOut">
               <a:rPr lang="en-US" dirty="0"/>
               <a:pPr/>
-              <a:t>10/22/2020</a:t>
+              <a:t>10/23/2020</a:t>
             </a:fld>
             <a:endParaRPr lang="en-US" dirty="0"/>
           </a:p>
@@ -4206,7 +4206,7 @@
             <a:fld id="{B61BEF0D-F0BB-DE4B-95CE-6DB70DBA9567}" type="datetimeFigureOut">
               <a:rPr lang="en-US" dirty="0"/>
               <a:pPr/>
-              <a:t>10/22/2020</a:t>
+              <a:t>10/23/2020</a:t>
             </a:fld>
             <a:endParaRPr lang="en-US" dirty="0"/>
           </a:p>
@@ -4351,7 +4351,7 @@
             <a:fld id="{B61BEF0D-F0BB-DE4B-95CE-6DB70DBA9567}" type="datetimeFigureOut">
               <a:rPr lang="en-US" dirty="0"/>
               <a:pPr/>
-              <a:t>10/22/2020</a:t>
+              <a:t>10/23/2020</a:t>
             </a:fld>
             <a:endParaRPr lang="en-US" dirty="0"/>
           </a:p>
@@ -4473,7 +4473,7 @@
             <a:fld id="{B61BEF0D-F0BB-DE4B-95CE-6DB70DBA9567}" type="datetimeFigureOut">
               <a:rPr lang="en-US" dirty="0"/>
               <a:pPr/>
-              <a:t>10/22/2020</a:t>
+              <a:t>10/23/2020</a:t>
             </a:fld>
             <a:endParaRPr lang="en-US" dirty="0"/>
           </a:p>
@@ -4755,7 +4755,7 @@
             <a:fld id="{B61BEF0D-F0BB-DE4B-95CE-6DB70DBA9567}" type="datetimeFigureOut">
               <a:rPr lang="en-US" dirty="0"/>
               <a:pPr/>
-              <a:t>10/22/2020</a:t>
+              <a:t>10/23/2020</a:t>
             </a:fld>
             <a:endParaRPr lang="en-US" dirty="0"/>
           </a:p>
@@ -5076,7 +5076,7 @@
             <a:fld id="{B61BEF0D-F0BB-DE4B-95CE-6DB70DBA9567}" type="datetimeFigureOut">
               <a:rPr lang="en-US" dirty="0"/>
               <a:pPr/>
-              <a:t>10/22/2020</a:t>
+              <a:t>10/23/2020</a:t>
             </a:fld>
             <a:endParaRPr lang="en-US" dirty="0"/>
           </a:p>
@@ -5287,7 +5287,7 @@
             <a:fld id="{B61BEF0D-F0BB-DE4B-95CE-6DB70DBA9567}" type="datetimeFigureOut">
               <a:rPr lang="en-US" dirty="0"/>
               <a:pPr/>
-              <a:t>10/22/2020</a:t>
+              <a:t>10/23/2020</a:t>
             </a:fld>
             <a:endParaRPr lang="en-US" dirty="0"/>
           </a:p>
@@ -7030,7 +7030,7 @@
       </p:grpSpPr>
       <p:pic>
         <p:nvPicPr>
-          <p:cNvPr id="3" name="Picture 2"/>
+          <p:cNvPr id="2" name="Picture 1"/>
           <p:cNvPicPr>
             <a:picLocks noChangeAspect="1"/>
           </p:cNvPicPr>
@@ -7044,8 +7044,8 @@
         </p:blipFill>
         <p:spPr>
           <a:xfrm>
-            <a:off x="1600200" y="-19050"/>
-            <a:ext cx="8991600" cy="6896100"/>
+            <a:off x="2425370" y="0"/>
+            <a:ext cx="7341259" cy="6821012"/>
           </a:xfrm>
           <a:prstGeom prst="rect">
             <a:avLst/>
